--- a/게임 소프트웨어 공학 Lecture 6.pptx
+++ b/게임 소프트웨어 공학 Lecture 6.pptx
@@ -212,7 +212,7 @@
           <a:p>
             <a:fld id="{B33A725C-1518-4C15-9916-6E1E2A058AA9}" type="datetimeFigureOut">
               <a:rPr lang="ko-KR" altLang="en-US" smtClean="0"/>
-              <a:t>2017-11-20</a:t>
+              <a:t>2018-12-13</a:t>
             </a:fld>
             <a:endParaRPr lang="ko-KR" altLang="en-US"/>
           </a:p>
@@ -276,38 +276,37 @@
           <a:p>
             <a:pPr lvl="0"/>
             <a:r>
-              <a:rPr lang="ko-KR" altLang="en-US" smtClean="0"/>
+              <a:rPr lang="ko-KR" altLang="en-US"/>
               <a:t>마스터 텍스트 스타일을 편집합니다</a:t>
             </a:r>
           </a:p>
           <a:p>
             <a:pPr lvl="1"/>
             <a:r>
-              <a:rPr lang="ko-KR" altLang="en-US" smtClean="0"/>
+              <a:rPr lang="ko-KR" altLang="en-US"/>
               <a:t>둘째 수준</a:t>
             </a:r>
           </a:p>
           <a:p>
             <a:pPr lvl="2"/>
             <a:r>
-              <a:rPr lang="ko-KR" altLang="en-US" smtClean="0"/>
+              <a:rPr lang="ko-KR" altLang="en-US"/>
               <a:t>셋째 수준</a:t>
             </a:r>
           </a:p>
           <a:p>
             <a:pPr lvl="3"/>
             <a:r>
-              <a:rPr lang="ko-KR" altLang="en-US" smtClean="0"/>
+              <a:rPr lang="ko-KR" altLang="en-US"/>
               <a:t>넷째 수준</a:t>
             </a:r>
           </a:p>
           <a:p>
             <a:pPr lvl="4"/>
             <a:r>
-              <a:rPr lang="ko-KR" altLang="en-US" smtClean="0"/>
+              <a:rPr lang="ko-KR" altLang="en-US"/>
               <a:t>다섯째 수준</a:t>
             </a:r>
-            <a:endParaRPr lang="ko-KR" altLang="en-US"/>
           </a:p>
         </p:txBody>
       </p:sp>
@@ -522,10 +521,9 @@
           </a:lstStyle>
           <a:p>
             <a:r>
-              <a:rPr lang="ko-KR" altLang="en-US" smtClean="0"/>
+              <a:rPr lang="ko-KR" altLang="en-US"/>
               <a:t>마스터 제목 스타일 편집</a:t>
             </a:r>
-            <a:endParaRPr lang="ko-KR" altLang="en-US"/>
           </a:p>
         </p:txBody>
       </p:sp>
@@ -587,10 +585,9 @@
           </a:lstStyle>
           <a:p>
             <a:r>
-              <a:rPr lang="ko-KR" altLang="en-US" smtClean="0"/>
+              <a:rPr lang="ko-KR" altLang="en-US"/>
               <a:t>마스터 부제목 스타일 편집</a:t>
             </a:r>
-            <a:endParaRPr lang="ko-KR" altLang="en-US"/>
           </a:p>
         </p:txBody>
       </p:sp>
@@ -611,7 +608,7 @@
           <a:p>
             <a:fld id="{618C37CF-F9CB-4E21-B419-2CC4B51E8038}" type="datetimeFigureOut">
               <a:rPr lang="ko-KR" altLang="en-US" smtClean="0"/>
-              <a:t>2017-11-20</a:t>
+              <a:t>2018-12-13</a:t>
             </a:fld>
             <a:endParaRPr lang="ko-KR" altLang="en-US"/>
           </a:p>
@@ -705,10 +702,9 @@
           <a:lstStyle/>
           <a:p>
             <a:r>
-              <a:rPr lang="ko-KR" altLang="en-US" smtClean="0"/>
+              <a:rPr lang="ko-KR" altLang="en-US"/>
               <a:t>마스터 제목 스타일 편집</a:t>
             </a:r>
-            <a:endParaRPr lang="ko-KR" altLang="en-US"/>
           </a:p>
         </p:txBody>
       </p:sp>
@@ -729,38 +725,37 @@
           <a:p>
             <a:pPr lvl="0"/>
             <a:r>
-              <a:rPr lang="ko-KR" altLang="en-US" smtClean="0"/>
+              <a:rPr lang="ko-KR" altLang="en-US"/>
               <a:t>마스터 텍스트 스타일을 편집합니다</a:t>
             </a:r>
           </a:p>
           <a:p>
             <a:pPr lvl="1"/>
             <a:r>
-              <a:rPr lang="ko-KR" altLang="en-US" smtClean="0"/>
+              <a:rPr lang="ko-KR" altLang="en-US"/>
               <a:t>둘째 수준</a:t>
             </a:r>
           </a:p>
           <a:p>
             <a:pPr lvl="2"/>
             <a:r>
-              <a:rPr lang="ko-KR" altLang="en-US" smtClean="0"/>
+              <a:rPr lang="ko-KR" altLang="en-US"/>
               <a:t>셋째 수준</a:t>
             </a:r>
           </a:p>
           <a:p>
             <a:pPr lvl="3"/>
             <a:r>
-              <a:rPr lang="ko-KR" altLang="en-US" smtClean="0"/>
+              <a:rPr lang="ko-KR" altLang="en-US"/>
               <a:t>넷째 수준</a:t>
             </a:r>
           </a:p>
           <a:p>
             <a:pPr lvl="4"/>
             <a:r>
-              <a:rPr lang="ko-KR" altLang="en-US" smtClean="0"/>
+              <a:rPr lang="ko-KR" altLang="en-US"/>
               <a:t>다섯째 수준</a:t>
             </a:r>
-            <a:endParaRPr lang="ko-KR" altLang="en-US"/>
           </a:p>
         </p:txBody>
       </p:sp>
@@ -781,7 +776,7 @@
           <a:p>
             <a:fld id="{618C37CF-F9CB-4E21-B419-2CC4B51E8038}" type="datetimeFigureOut">
               <a:rPr lang="ko-KR" altLang="en-US" smtClean="0"/>
-              <a:t>2017-11-20</a:t>
+              <a:t>2018-12-13</a:t>
             </a:fld>
             <a:endParaRPr lang="ko-KR" altLang="en-US"/>
           </a:p>
@@ -880,10 +875,9 @@
           <a:lstStyle/>
           <a:p>
             <a:r>
-              <a:rPr lang="ko-KR" altLang="en-US" smtClean="0"/>
+              <a:rPr lang="ko-KR" altLang="en-US"/>
               <a:t>마스터 제목 스타일 편집</a:t>
             </a:r>
-            <a:endParaRPr lang="ko-KR" altLang="en-US"/>
           </a:p>
         </p:txBody>
       </p:sp>
@@ -909,38 +903,37 @@
           <a:p>
             <a:pPr lvl="0"/>
             <a:r>
-              <a:rPr lang="ko-KR" altLang="en-US" smtClean="0"/>
+              <a:rPr lang="ko-KR" altLang="en-US"/>
               <a:t>마스터 텍스트 스타일을 편집합니다</a:t>
             </a:r>
           </a:p>
           <a:p>
             <a:pPr lvl="1"/>
             <a:r>
-              <a:rPr lang="ko-KR" altLang="en-US" smtClean="0"/>
+              <a:rPr lang="ko-KR" altLang="en-US"/>
               <a:t>둘째 수준</a:t>
             </a:r>
           </a:p>
           <a:p>
             <a:pPr lvl="2"/>
             <a:r>
-              <a:rPr lang="ko-KR" altLang="en-US" smtClean="0"/>
+              <a:rPr lang="ko-KR" altLang="en-US"/>
               <a:t>셋째 수준</a:t>
             </a:r>
           </a:p>
           <a:p>
             <a:pPr lvl="3"/>
             <a:r>
-              <a:rPr lang="ko-KR" altLang="en-US" smtClean="0"/>
+              <a:rPr lang="ko-KR" altLang="en-US"/>
               <a:t>넷째 수준</a:t>
             </a:r>
           </a:p>
           <a:p>
             <a:pPr lvl="4"/>
             <a:r>
-              <a:rPr lang="ko-KR" altLang="en-US" smtClean="0"/>
+              <a:rPr lang="ko-KR" altLang="en-US"/>
               <a:t>다섯째 수준</a:t>
             </a:r>
-            <a:endParaRPr lang="ko-KR" altLang="en-US"/>
           </a:p>
         </p:txBody>
       </p:sp>
@@ -961,7 +954,7 @@
           <a:p>
             <a:fld id="{618C37CF-F9CB-4E21-B419-2CC4B51E8038}" type="datetimeFigureOut">
               <a:rPr lang="ko-KR" altLang="en-US" smtClean="0"/>
-              <a:t>2017-11-20</a:t>
+              <a:t>2018-12-13</a:t>
             </a:fld>
             <a:endParaRPr lang="ko-KR" altLang="en-US"/>
           </a:p>
@@ -1055,10 +1048,9 @@
           <a:lstStyle/>
           <a:p>
             <a:r>
-              <a:rPr lang="ko-KR" altLang="en-US" smtClean="0"/>
+              <a:rPr lang="ko-KR" altLang="en-US"/>
               <a:t>마스터 제목 스타일 편집</a:t>
             </a:r>
-            <a:endParaRPr lang="ko-KR" altLang="en-US"/>
           </a:p>
         </p:txBody>
       </p:sp>
@@ -1079,38 +1071,37 @@
           <a:p>
             <a:pPr lvl="0"/>
             <a:r>
-              <a:rPr lang="ko-KR" altLang="en-US" smtClean="0"/>
+              <a:rPr lang="ko-KR" altLang="en-US"/>
               <a:t>마스터 텍스트 스타일을 편집합니다</a:t>
             </a:r>
           </a:p>
           <a:p>
             <a:pPr lvl="1"/>
             <a:r>
-              <a:rPr lang="ko-KR" altLang="en-US" smtClean="0"/>
+              <a:rPr lang="ko-KR" altLang="en-US"/>
               <a:t>둘째 수준</a:t>
             </a:r>
           </a:p>
           <a:p>
             <a:pPr lvl="2"/>
             <a:r>
-              <a:rPr lang="ko-KR" altLang="en-US" smtClean="0"/>
+              <a:rPr lang="ko-KR" altLang="en-US"/>
               <a:t>셋째 수준</a:t>
             </a:r>
           </a:p>
           <a:p>
             <a:pPr lvl="3"/>
             <a:r>
-              <a:rPr lang="ko-KR" altLang="en-US" smtClean="0"/>
+              <a:rPr lang="ko-KR" altLang="en-US"/>
               <a:t>넷째 수준</a:t>
             </a:r>
           </a:p>
           <a:p>
             <a:pPr lvl="4"/>
             <a:r>
-              <a:rPr lang="ko-KR" altLang="en-US" smtClean="0"/>
+              <a:rPr lang="ko-KR" altLang="en-US"/>
               <a:t>다섯째 수준</a:t>
             </a:r>
-            <a:endParaRPr lang="ko-KR" altLang="en-US"/>
           </a:p>
         </p:txBody>
       </p:sp>
@@ -1131,7 +1122,7 @@
           <a:p>
             <a:fld id="{618C37CF-F9CB-4E21-B419-2CC4B51E8038}" type="datetimeFigureOut">
               <a:rPr lang="ko-KR" altLang="en-US" smtClean="0"/>
-              <a:t>2017-11-20</a:t>
+              <a:t>2018-12-13</a:t>
             </a:fld>
             <a:endParaRPr lang="ko-KR" altLang="en-US"/>
           </a:p>
@@ -1234,10 +1225,9 @@
           </a:lstStyle>
           <a:p>
             <a:r>
-              <a:rPr lang="ko-KR" altLang="en-US" smtClean="0"/>
+              <a:rPr lang="ko-KR" altLang="en-US"/>
               <a:t>마스터 제목 스타일 편집</a:t>
             </a:r>
-            <a:endParaRPr lang="ko-KR" altLang="en-US"/>
           </a:p>
         </p:txBody>
       </p:sp>
@@ -1354,7 +1344,7 @@
           <a:p>
             <a:pPr lvl="0"/>
             <a:r>
-              <a:rPr lang="ko-KR" altLang="en-US" smtClean="0"/>
+              <a:rPr lang="ko-KR" altLang="en-US"/>
               <a:t>마스터 텍스트 스타일을 편집합니다</a:t>
             </a:r>
           </a:p>
@@ -1377,7 +1367,7 @@
           <a:p>
             <a:fld id="{618C37CF-F9CB-4E21-B419-2CC4B51E8038}" type="datetimeFigureOut">
               <a:rPr lang="ko-KR" altLang="en-US" smtClean="0"/>
-              <a:t>2017-11-20</a:t>
+              <a:t>2018-12-13</a:t>
             </a:fld>
             <a:endParaRPr lang="ko-KR" altLang="en-US"/>
           </a:p>
@@ -1471,10 +1461,9 @@
           <a:lstStyle/>
           <a:p>
             <a:r>
-              <a:rPr lang="ko-KR" altLang="en-US" smtClean="0"/>
+              <a:rPr lang="ko-KR" altLang="en-US"/>
               <a:t>마스터 제목 스타일 편집</a:t>
             </a:r>
-            <a:endParaRPr lang="ko-KR" altLang="en-US"/>
           </a:p>
         </p:txBody>
       </p:sp>
@@ -1500,38 +1489,37 @@
           <a:p>
             <a:pPr lvl="0"/>
             <a:r>
-              <a:rPr lang="ko-KR" altLang="en-US" smtClean="0"/>
+              <a:rPr lang="ko-KR" altLang="en-US"/>
               <a:t>마스터 텍스트 스타일을 편집합니다</a:t>
             </a:r>
           </a:p>
           <a:p>
             <a:pPr lvl="1"/>
             <a:r>
-              <a:rPr lang="ko-KR" altLang="en-US" smtClean="0"/>
+              <a:rPr lang="ko-KR" altLang="en-US"/>
               <a:t>둘째 수준</a:t>
             </a:r>
           </a:p>
           <a:p>
             <a:pPr lvl="2"/>
             <a:r>
-              <a:rPr lang="ko-KR" altLang="en-US" smtClean="0"/>
+              <a:rPr lang="ko-KR" altLang="en-US"/>
               <a:t>셋째 수준</a:t>
             </a:r>
           </a:p>
           <a:p>
             <a:pPr lvl="3"/>
             <a:r>
-              <a:rPr lang="ko-KR" altLang="en-US" smtClean="0"/>
+              <a:rPr lang="ko-KR" altLang="en-US"/>
               <a:t>넷째 수준</a:t>
             </a:r>
           </a:p>
           <a:p>
             <a:pPr lvl="4"/>
             <a:r>
-              <a:rPr lang="ko-KR" altLang="en-US" smtClean="0"/>
+              <a:rPr lang="ko-KR" altLang="en-US"/>
               <a:t>다섯째 수준</a:t>
             </a:r>
-            <a:endParaRPr lang="ko-KR" altLang="en-US"/>
           </a:p>
         </p:txBody>
       </p:sp>
@@ -1557,38 +1545,37 @@
           <a:p>
             <a:pPr lvl="0"/>
             <a:r>
-              <a:rPr lang="ko-KR" altLang="en-US" smtClean="0"/>
+              <a:rPr lang="ko-KR" altLang="en-US"/>
               <a:t>마스터 텍스트 스타일을 편집합니다</a:t>
             </a:r>
           </a:p>
           <a:p>
             <a:pPr lvl="1"/>
             <a:r>
-              <a:rPr lang="ko-KR" altLang="en-US" smtClean="0"/>
+              <a:rPr lang="ko-KR" altLang="en-US"/>
               <a:t>둘째 수준</a:t>
             </a:r>
           </a:p>
           <a:p>
             <a:pPr lvl="2"/>
             <a:r>
-              <a:rPr lang="ko-KR" altLang="en-US" smtClean="0"/>
+              <a:rPr lang="ko-KR" altLang="en-US"/>
               <a:t>셋째 수준</a:t>
             </a:r>
           </a:p>
           <a:p>
             <a:pPr lvl="3"/>
             <a:r>
-              <a:rPr lang="ko-KR" altLang="en-US" smtClean="0"/>
+              <a:rPr lang="ko-KR" altLang="en-US"/>
               <a:t>넷째 수준</a:t>
             </a:r>
           </a:p>
           <a:p>
             <a:pPr lvl="4"/>
             <a:r>
-              <a:rPr lang="ko-KR" altLang="en-US" smtClean="0"/>
+              <a:rPr lang="ko-KR" altLang="en-US"/>
               <a:t>다섯째 수준</a:t>
             </a:r>
-            <a:endParaRPr lang="ko-KR" altLang="en-US"/>
           </a:p>
         </p:txBody>
       </p:sp>
@@ -1609,7 +1596,7 @@
           <a:p>
             <a:fld id="{618C37CF-F9CB-4E21-B419-2CC4B51E8038}" type="datetimeFigureOut">
               <a:rPr lang="ko-KR" altLang="en-US" smtClean="0"/>
-              <a:t>2017-11-20</a:t>
+              <a:t>2018-12-13</a:t>
             </a:fld>
             <a:endParaRPr lang="ko-KR" altLang="en-US"/>
           </a:p>
@@ -1708,10 +1695,9 @@
           <a:lstStyle/>
           <a:p>
             <a:r>
-              <a:rPr lang="ko-KR" altLang="en-US" smtClean="0"/>
+              <a:rPr lang="ko-KR" altLang="en-US"/>
               <a:t>마스터 제목 스타일 편집</a:t>
             </a:r>
-            <a:endParaRPr lang="ko-KR" altLang="en-US"/>
           </a:p>
         </p:txBody>
       </p:sp>
@@ -1774,7 +1760,7 @@
           <a:p>
             <a:pPr lvl="0"/>
             <a:r>
-              <a:rPr lang="ko-KR" altLang="en-US" smtClean="0"/>
+              <a:rPr lang="ko-KR" altLang="en-US"/>
               <a:t>마스터 텍스트 스타일을 편집합니다</a:t>
             </a:r>
           </a:p>
@@ -1802,38 +1788,37 @@
           <a:p>
             <a:pPr lvl="0"/>
             <a:r>
-              <a:rPr lang="ko-KR" altLang="en-US" smtClean="0"/>
+              <a:rPr lang="ko-KR" altLang="en-US"/>
               <a:t>마스터 텍스트 스타일을 편집합니다</a:t>
             </a:r>
           </a:p>
           <a:p>
             <a:pPr lvl="1"/>
             <a:r>
-              <a:rPr lang="ko-KR" altLang="en-US" smtClean="0"/>
+              <a:rPr lang="ko-KR" altLang="en-US"/>
               <a:t>둘째 수준</a:t>
             </a:r>
           </a:p>
           <a:p>
             <a:pPr lvl="2"/>
             <a:r>
-              <a:rPr lang="ko-KR" altLang="en-US" smtClean="0"/>
+              <a:rPr lang="ko-KR" altLang="en-US"/>
               <a:t>셋째 수준</a:t>
             </a:r>
           </a:p>
           <a:p>
             <a:pPr lvl="3"/>
             <a:r>
-              <a:rPr lang="ko-KR" altLang="en-US" smtClean="0"/>
+              <a:rPr lang="ko-KR" altLang="en-US"/>
               <a:t>넷째 수준</a:t>
             </a:r>
           </a:p>
           <a:p>
             <a:pPr lvl="4"/>
             <a:r>
-              <a:rPr lang="ko-KR" altLang="en-US" smtClean="0"/>
+              <a:rPr lang="ko-KR" altLang="en-US"/>
               <a:t>다섯째 수준</a:t>
             </a:r>
-            <a:endParaRPr lang="ko-KR" altLang="en-US"/>
           </a:p>
         </p:txBody>
       </p:sp>
@@ -1896,7 +1881,7 @@
           <a:p>
             <a:pPr lvl="0"/>
             <a:r>
-              <a:rPr lang="ko-KR" altLang="en-US" smtClean="0"/>
+              <a:rPr lang="ko-KR" altLang="en-US"/>
               <a:t>마스터 텍스트 스타일을 편집합니다</a:t>
             </a:r>
           </a:p>
@@ -1924,38 +1909,37 @@
           <a:p>
             <a:pPr lvl="0"/>
             <a:r>
-              <a:rPr lang="ko-KR" altLang="en-US" smtClean="0"/>
+              <a:rPr lang="ko-KR" altLang="en-US"/>
               <a:t>마스터 텍스트 스타일을 편집합니다</a:t>
             </a:r>
           </a:p>
           <a:p>
             <a:pPr lvl="1"/>
             <a:r>
-              <a:rPr lang="ko-KR" altLang="en-US" smtClean="0"/>
+              <a:rPr lang="ko-KR" altLang="en-US"/>
               <a:t>둘째 수준</a:t>
             </a:r>
           </a:p>
           <a:p>
             <a:pPr lvl="2"/>
             <a:r>
-              <a:rPr lang="ko-KR" altLang="en-US" smtClean="0"/>
+              <a:rPr lang="ko-KR" altLang="en-US"/>
               <a:t>셋째 수준</a:t>
             </a:r>
           </a:p>
           <a:p>
             <a:pPr lvl="3"/>
             <a:r>
-              <a:rPr lang="ko-KR" altLang="en-US" smtClean="0"/>
+              <a:rPr lang="ko-KR" altLang="en-US"/>
               <a:t>넷째 수준</a:t>
             </a:r>
           </a:p>
           <a:p>
             <a:pPr lvl="4"/>
             <a:r>
-              <a:rPr lang="ko-KR" altLang="en-US" smtClean="0"/>
+              <a:rPr lang="ko-KR" altLang="en-US"/>
               <a:t>다섯째 수준</a:t>
             </a:r>
-            <a:endParaRPr lang="ko-KR" altLang="en-US"/>
           </a:p>
         </p:txBody>
       </p:sp>
@@ -1976,7 +1960,7 @@
           <a:p>
             <a:fld id="{618C37CF-F9CB-4E21-B419-2CC4B51E8038}" type="datetimeFigureOut">
               <a:rPr lang="ko-KR" altLang="en-US" smtClean="0"/>
-              <a:t>2017-11-20</a:t>
+              <a:t>2018-12-13</a:t>
             </a:fld>
             <a:endParaRPr lang="ko-KR" altLang="en-US"/>
           </a:p>
@@ -2070,10 +2054,9 @@
           <a:lstStyle/>
           <a:p>
             <a:r>
-              <a:rPr lang="ko-KR" altLang="en-US" smtClean="0"/>
+              <a:rPr lang="ko-KR" altLang="en-US"/>
               <a:t>마스터 제목 스타일 편집</a:t>
             </a:r>
-            <a:endParaRPr lang="ko-KR" altLang="en-US"/>
           </a:p>
         </p:txBody>
       </p:sp>
@@ -2094,7 +2077,7 @@
           <a:p>
             <a:fld id="{618C37CF-F9CB-4E21-B419-2CC4B51E8038}" type="datetimeFigureOut">
               <a:rPr lang="ko-KR" altLang="en-US" smtClean="0"/>
-              <a:t>2017-11-20</a:t>
+              <a:t>2018-12-13</a:t>
             </a:fld>
             <a:endParaRPr lang="ko-KR" altLang="en-US"/>
           </a:p>
@@ -2189,7 +2172,7 @@
           <a:p>
             <a:fld id="{618C37CF-F9CB-4E21-B419-2CC4B51E8038}" type="datetimeFigureOut">
               <a:rPr lang="ko-KR" altLang="en-US" smtClean="0"/>
-              <a:t>2017-11-20</a:t>
+              <a:t>2018-12-13</a:t>
             </a:fld>
             <a:endParaRPr lang="ko-KR" altLang="en-US"/>
           </a:p>
@@ -2292,10 +2275,9 @@
           </a:lstStyle>
           <a:p>
             <a:r>
-              <a:rPr lang="ko-KR" altLang="en-US" smtClean="0"/>
+              <a:rPr lang="ko-KR" altLang="en-US"/>
               <a:t>마스터 제목 스타일 편집</a:t>
             </a:r>
-            <a:endParaRPr lang="ko-KR" altLang="en-US"/>
           </a:p>
         </p:txBody>
       </p:sp>
@@ -2349,38 +2331,37 @@
           <a:p>
             <a:pPr lvl="0"/>
             <a:r>
-              <a:rPr lang="ko-KR" altLang="en-US" smtClean="0"/>
+              <a:rPr lang="ko-KR" altLang="en-US"/>
               <a:t>마스터 텍스트 스타일을 편집합니다</a:t>
             </a:r>
           </a:p>
           <a:p>
             <a:pPr lvl="1"/>
             <a:r>
-              <a:rPr lang="ko-KR" altLang="en-US" smtClean="0"/>
+              <a:rPr lang="ko-KR" altLang="en-US"/>
               <a:t>둘째 수준</a:t>
             </a:r>
           </a:p>
           <a:p>
             <a:pPr lvl="2"/>
             <a:r>
-              <a:rPr lang="ko-KR" altLang="en-US" smtClean="0"/>
+              <a:rPr lang="ko-KR" altLang="en-US"/>
               <a:t>셋째 수준</a:t>
             </a:r>
           </a:p>
           <a:p>
             <a:pPr lvl="3"/>
             <a:r>
-              <a:rPr lang="ko-KR" altLang="en-US" smtClean="0"/>
+              <a:rPr lang="ko-KR" altLang="en-US"/>
               <a:t>넷째 수준</a:t>
             </a:r>
           </a:p>
           <a:p>
             <a:pPr lvl="4"/>
             <a:r>
-              <a:rPr lang="ko-KR" altLang="en-US" smtClean="0"/>
+              <a:rPr lang="ko-KR" altLang="en-US"/>
               <a:t>다섯째 수준</a:t>
             </a:r>
-            <a:endParaRPr lang="ko-KR" altLang="en-US"/>
           </a:p>
         </p:txBody>
       </p:sp>
@@ -2443,7 +2424,7 @@
           <a:p>
             <a:pPr lvl="0"/>
             <a:r>
-              <a:rPr lang="ko-KR" altLang="en-US" smtClean="0"/>
+              <a:rPr lang="ko-KR" altLang="en-US"/>
               <a:t>마스터 텍스트 스타일을 편집합니다</a:t>
             </a:r>
           </a:p>
@@ -2466,7 +2447,7 @@
           <a:p>
             <a:fld id="{618C37CF-F9CB-4E21-B419-2CC4B51E8038}" type="datetimeFigureOut">
               <a:rPr lang="ko-KR" altLang="en-US" smtClean="0"/>
-              <a:t>2017-11-20</a:t>
+              <a:t>2018-12-13</a:t>
             </a:fld>
             <a:endParaRPr lang="ko-KR" altLang="en-US"/>
           </a:p>
@@ -2569,10 +2550,9 @@
           </a:lstStyle>
           <a:p>
             <a:r>
-              <a:rPr lang="ko-KR" altLang="en-US" smtClean="0"/>
+              <a:rPr lang="ko-KR" altLang="en-US"/>
               <a:t>마스터 제목 스타일 편집</a:t>
             </a:r>
-            <a:endParaRPr lang="ko-KR" altLang="en-US"/>
           </a:p>
         </p:txBody>
       </p:sp>
@@ -2696,7 +2676,7 @@
           <a:p>
             <a:pPr lvl="0"/>
             <a:r>
-              <a:rPr lang="ko-KR" altLang="en-US" smtClean="0"/>
+              <a:rPr lang="ko-KR" altLang="en-US"/>
               <a:t>마스터 텍스트 스타일을 편집합니다</a:t>
             </a:r>
           </a:p>
@@ -2719,7 +2699,7 @@
           <a:p>
             <a:fld id="{618C37CF-F9CB-4E21-B419-2CC4B51E8038}" type="datetimeFigureOut">
               <a:rPr lang="ko-KR" altLang="en-US" smtClean="0"/>
-              <a:t>2017-11-20</a:t>
+              <a:t>2018-12-13</a:t>
             </a:fld>
             <a:endParaRPr lang="ko-KR" altLang="en-US"/>
           </a:p>
@@ -2828,10 +2808,9 @@
           <a:lstStyle/>
           <a:p>
             <a:r>
-              <a:rPr lang="ko-KR" altLang="en-US" smtClean="0"/>
+              <a:rPr lang="ko-KR" altLang="en-US"/>
               <a:t>마스터 제목 스타일 편집</a:t>
             </a:r>
-            <a:endParaRPr lang="ko-KR" altLang="en-US"/>
           </a:p>
         </p:txBody>
       </p:sp>
@@ -2862,38 +2841,37 @@
           <a:p>
             <a:pPr lvl="0"/>
             <a:r>
-              <a:rPr lang="ko-KR" altLang="en-US" dirty="0" smtClean="0"/>
+              <a:rPr lang="ko-KR" altLang="en-US" dirty="0"/>
               <a:t>마스터 텍스트 스타일을 편집합니다</a:t>
             </a:r>
           </a:p>
           <a:p>
             <a:pPr lvl="1"/>
             <a:r>
-              <a:rPr lang="ko-KR" altLang="en-US" dirty="0" smtClean="0"/>
+              <a:rPr lang="ko-KR" altLang="en-US" dirty="0"/>
               <a:t>둘째 수준</a:t>
             </a:r>
           </a:p>
           <a:p>
             <a:pPr lvl="2"/>
             <a:r>
-              <a:rPr lang="ko-KR" altLang="en-US" dirty="0" smtClean="0"/>
+              <a:rPr lang="ko-KR" altLang="en-US" dirty="0"/>
               <a:t>셋째 수준</a:t>
             </a:r>
           </a:p>
           <a:p>
             <a:pPr lvl="3"/>
             <a:r>
-              <a:rPr lang="ko-KR" altLang="en-US" dirty="0" smtClean="0"/>
+              <a:rPr lang="ko-KR" altLang="en-US" dirty="0"/>
               <a:t>넷째 수준</a:t>
             </a:r>
           </a:p>
           <a:p>
             <a:pPr lvl="4"/>
             <a:r>
-              <a:rPr lang="ko-KR" altLang="en-US" dirty="0" smtClean="0"/>
+              <a:rPr lang="ko-KR" altLang="en-US" dirty="0"/>
               <a:t>다섯째 수준</a:t>
             </a:r>
-            <a:endParaRPr lang="ko-KR" altLang="en-US" dirty="0"/>
           </a:p>
         </p:txBody>
       </p:sp>
@@ -2932,7 +2910,7 @@
           <a:p>
             <a:fld id="{618C37CF-F9CB-4E21-B419-2CC4B51E8038}" type="datetimeFigureOut">
               <a:rPr lang="ko-KR" altLang="en-US" smtClean="0"/>
-              <a:t>2017-11-20</a:t>
+              <a:t>2018-12-13</a:t>
             </a:fld>
             <a:endParaRPr lang="ko-KR" altLang="en-US"/>
           </a:p>
@@ -3037,13 +3015,6 @@
     <p:sldLayoutId id="2147483658" r:id="rId10"/>
     <p:sldLayoutId id="2147483659" r:id="rId11"/>
   </p:sldLayoutIdLst>
-  <p:timing>
-    <p:tnLst>
-      <p:par>
-        <p:cTn id="1" dur="indefinite" restart="never" nodeType="tmRoot"/>
-      </p:par>
-    </p:tnLst>
-  </p:timing>
   <p:txStyles>
     <p:titleStyle>
       <a:lvl1pPr algn="l" defTabSz="914400" rtl="0" eaLnBrk="1" latinLnBrk="1" hangingPunct="1">
@@ -3360,27 +3331,23 @@
           <a:lstStyle/>
           <a:p>
             <a:r>
-              <a:rPr lang="ko-KR" altLang="en-US" dirty="0" smtClean="0"/>
+              <a:rPr lang="ko-KR" altLang="en-US" dirty="0"/>
               <a:t>게임 소프트웨어 공학</a:t>
             </a:r>
-            <a:r>
-              <a:rPr lang="en-US" altLang="ko-KR" dirty="0" smtClean="0"/>
-              <a:t/>
-            </a:r>
             <a:br>
-              <a:rPr lang="en-US" altLang="ko-KR" dirty="0" smtClean="0"/>
+              <a:rPr lang="en-US" altLang="ko-KR" dirty="0"/>
             </a:br>
             <a:r>
-              <a:rPr lang="en-US" altLang="ko-KR" dirty="0" smtClean="0"/>
+              <a:rPr lang="en-US" altLang="ko-KR" dirty="0"/>
               <a:t>Lecture</a:t>
             </a:r>
             <a:r>
-              <a:rPr lang="ko-KR" altLang="en-US" dirty="0" smtClean="0"/>
+              <a:rPr lang="ko-KR" altLang="en-US" dirty="0"/>
               <a:t> </a:t>
             </a:r>
             <a:r>
-              <a:rPr lang="en-US" altLang="ko-KR" smtClean="0"/>
-              <a:t>5</a:t>
+              <a:rPr lang="en-US" altLang="ko-KR"/>
+              <a:t>6</a:t>
             </a:r>
             <a:endParaRPr lang="ko-KR" altLang="en-US" dirty="0"/>
           </a:p>
@@ -3402,24 +3369,24 @@
           <a:lstStyle/>
           <a:p>
             <a:r>
-              <a:rPr lang="ko-KR" altLang="en-US" dirty="0" smtClean="0"/>
+              <a:rPr lang="ko-KR" altLang="en-US" dirty="0"/>
               <a:t>산업기술대학교</a:t>
             </a:r>
-            <a:endParaRPr lang="en-US" altLang="ko-KR" dirty="0" smtClean="0"/>
-          </a:p>
-          <a:p>
-            <a:r>
-              <a:rPr lang="ko-KR" altLang="en-US" dirty="0" smtClean="0"/>
+            <a:endParaRPr lang="en-US" altLang="ko-KR" dirty="0"/>
+          </a:p>
+          <a:p>
+            <a:r>
+              <a:rPr lang="ko-KR" altLang="en-US" dirty="0"/>
               <a:t>게임공학부</a:t>
             </a:r>
-            <a:endParaRPr lang="en-US" altLang="ko-KR" dirty="0" smtClean="0"/>
-          </a:p>
-          <a:p>
-            <a:r>
-              <a:rPr lang="ko-KR" altLang="en-US" dirty="0" err="1" smtClean="0"/>
+            <a:endParaRPr lang="en-US" altLang="ko-KR" dirty="0"/>
+          </a:p>
+          <a:p>
+            <a:r>
+              <a:rPr lang="ko-KR" altLang="en-US" dirty="0" err="1"/>
               <a:t>이택희</a:t>
             </a:r>
-            <a:endParaRPr lang="ko-KR" altLang="en-US" dirty="0" smtClean="0"/>
+            <a:endParaRPr lang="ko-KR" altLang="en-US" dirty="0"/>
           </a:p>
         </p:txBody>
       </p:sp>
@@ -3433,13 +3400,6 @@
   <p:clrMapOvr>
     <a:masterClrMapping/>
   </p:clrMapOvr>
-  <p:timing>
-    <p:tnLst>
-      <p:par>
-        <p:cTn id="1" dur="indefinite" restart="never" nodeType="tmRoot"/>
-      </p:par>
-    </p:tnLst>
-  </p:timing>
 </p:sld>
 </file>
 
@@ -3490,11 +3450,11 @@
               <a:t>: </a:t>
             </a:r>
             <a:r>
-              <a:rPr lang="ko-KR" altLang="en-US" dirty="0" smtClean="0"/>
+              <a:rPr lang="ko-KR" altLang="en-US" dirty="0"/>
               <a:t>흐름</a:t>
             </a:r>
             <a:r>
-              <a:rPr lang="en-US" altLang="ko-KR" dirty="0" smtClean="0"/>
+              <a:rPr lang="en-US" altLang="ko-KR" dirty="0"/>
               <a:t> </a:t>
             </a:r>
             <a:r>
@@ -3574,10 +3534,9 @@
                     <a:p>
                       <a:pPr algn="ctr" latinLnBrk="1"/>
                       <a:r>
-                        <a:rPr lang="ko-KR" altLang="en-US" sz="3200" dirty="0" smtClean="0"/>
+                        <a:rPr lang="ko-KR" altLang="en-US" sz="3200" dirty="0"/>
                         <a:t>목록</a:t>
                       </a:r>
-                      <a:endParaRPr lang="ko-KR" altLang="en-US" sz="3200" dirty="0"/>
                     </a:p>
                   </a:txBody>
                   <a:tcPr anchor="ctr"/>
@@ -3589,10 +3548,9 @@
                     <a:p>
                       <a:pPr algn="ctr" latinLnBrk="1"/>
                       <a:r>
-                        <a:rPr lang="ko-KR" altLang="en-US" sz="3200" dirty="0" smtClean="0"/>
+                        <a:rPr lang="ko-KR" altLang="en-US" sz="3200" dirty="0"/>
                         <a:t>우선과제</a:t>
                       </a:r>
-                      <a:endParaRPr lang="ko-KR" altLang="en-US" sz="3200" dirty="0"/>
                     </a:p>
                   </a:txBody>
                   <a:tcPr anchor="ctr"/>
@@ -3604,10 +3562,9 @@
                     <a:p>
                       <a:pPr algn="ctr" latinLnBrk="1"/>
                       <a:r>
-                        <a:rPr lang="ko-KR" altLang="en-US" sz="3200" dirty="0" smtClean="0"/>
+                        <a:rPr lang="ko-KR" altLang="en-US" sz="3200" dirty="0"/>
                         <a:t>개발 진행</a:t>
                       </a:r>
-                      <a:endParaRPr lang="ko-KR" altLang="en-US" sz="3200" dirty="0"/>
                     </a:p>
                   </a:txBody>
                   <a:tcPr anchor="ctr"/>
@@ -3619,10 +3576,9 @@
                     <a:p>
                       <a:pPr algn="ctr" latinLnBrk="1"/>
                       <a:r>
-                        <a:rPr lang="ko-KR" altLang="en-US" sz="3200" dirty="0" smtClean="0"/>
+                        <a:rPr lang="ko-KR" altLang="en-US" sz="3200" dirty="0"/>
                         <a:t>개발 완료</a:t>
                       </a:r>
-                      <a:endParaRPr lang="ko-KR" altLang="en-US" sz="3200" dirty="0"/>
                     </a:p>
                   </a:txBody>
                   <a:tcPr anchor="ctr"/>
@@ -3634,10 +3590,9 @@
                     <a:p>
                       <a:pPr algn="ctr" latinLnBrk="1"/>
                       <a:r>
-                        <a:rPr lang="ko-KR" altLang="en-US" sz="3200" dirty="0" smtClean="0"/>
+                        <a:rPr lang="ko-KR" altLang="en-US" sz="3200" dirty="0"/>
                         <a:t>배포</a:t>
                       </a:r>
-                      <a:endParaRPr lang="ko-KR" altLang="en-US" sz="3200" dirty="0"/>
                     </a:p>
                   </a:txBody>
                   <a:tcPr anchor="ctr"/>
@@ -3751,7 +3706,7 @@
           <a:p>
             <a:pPr algn="ctr"/>
             <a:r>
-              <a:rPr lang="en-US" altLang="ko-KR" dirty="0" smtClean="0"/>
+              <a:rPr lang="en-US" altLang="ko-KR" dirty="0"/>
               <a:t>A</a:t>
             </a:r>
             <a:endParaRPr lang="ko-KR" altLang="en-US" dirty="0"/>
@@ -3795,7 +3750,7 @@
           <a:p>
             <a:pPr algn="ctr"/>
             <a:r>
-              <a:rPr lang="en-US" altLang="ko-KR" dirty="0" smtClean="0"/>
+              <a:rPr lang="en-US" altLang="ko-KR" dirty="0"/>
               <a:t>B</a:t>
             </a:r>
             <a:endParaRPr lang="ko-KR" altLang="en-US" dirty="0"/>
@@ -3839,7 +3794,7 @@
           <a:p>
             <a:pPr algn="ctr"/>
             <a:r>
-              <a:rPr lang="en-US" altLang="ko-KR" dirty="0" smtClean="0"/>
+              <a:rPr lang="en-US" altLang="ko-KR" dirty="0"/>
               <a:t>C</a:t>
             </a:r>
             <a:endParaRPr lang="ko-KR" altLang="en-US" dirty="0"/>
@@ -3883,7 +3838,7 @@
           <a:p>
             <a:pPr algn="ctr"/>
             <a:r>
-              <a:rPr lang="en-US" altLang="ko-KR" dirty="0" smtClean="0"/>
+              <a:rPr lang="en-US" altLang="ko-KR" dirty="0"/>
               <a:t>D</a:t>
             </a:r>
             <a:endParaRPr lang="ko-KR" altLang="en-US" dirty="0"/>
@@ -3927,7 +3882,7 @@
           <a:p>
             <a:pPr algn="ctr"/>
             <a:r>
-              <a:rPr lang="en-US" altLang="ko-KR" dirty="0" smtClean="0"/>
+              <a:rPr lang="en-US" altLang="ko-KR" dirty="0"/>
               <a:t>E</a:t>
             </a:r>
             <a:endParaRPr lang="ko-KR" altLang="en-US" dirty="0"/>
@@ -3969,7 +3924,7 @@
           <a:p>
             <a:pPr algn="ctr"/>
             <a:r>
-              <a:rPr lang="en-US" altLang="ko-KR" dirty="0" smtClean="0"/>
+              <a:rPr lang="en-US" altLang="ko-KR" dirty="0"/>
               <a:t>F</a:t>
             </a:r>
             <a:endParaRPr lang="ko-KR" altLang="en-US" dirty="0"/>
@@ -4013,7 +3968,7 @@
           <a:p>
             <a:pPr algn="ctr"/>
             <a:r>
-              <a:rPr lang="en-US" altLang="ko-KR" dirty="0" smtClean="0"/>
+              <a:rPr lang="en-US" altLang="ko-KR" dirty="0"/>
               <a:t>G</a:t>
             </a:r>
             <a:endParaRPr lang="ko-KR" altLang="en-US" dirty="0"/>
@@ -4057,7 +4012,7 @@
           <a:p>
             <a:pPr algn="ctr"/>
             <a:r>
-              <a:rPr lang="en-US" altLang="ko-KR" dirty="0" smtClean="0"/>
+              <a:rPr lang="en-US" altLang="ko-KR" dirty="0"/>
               <a:t>H</a:t>
             </a:r>
             <a:endParaRPr lang="ko-KR" altLang="en-US" dirty="0"/>
@@ -4099,7 +4054,7 @@
           <a:p>
             <a:pPr algn="ctr"/>
             <a:r>
-              <a:rPr lang="en-US" altLang="ko-KR" dirty="0" smtClean="0"/>
+              <a:rPr lang="en-US" altLang="ko-KR" dirty="0"/>
               <a:t>I</a:t>
             </a:r>
             <a:endParaRPr lang="ko-KR" altLang="en-US" dirty="0"/>
@@ -4141,7 +4096,7 @@
           <a:p>
             <a:pPr algn="ctr"/>
             <a:r>
-              <a:rPr lang="en-US" altLang="ko-KR" sz="3200" b="1" dirty="0" smtClean="0"/>
+              <a:rPr lang="en-US" altLang="ko-KR" sz="3200" b="1" dirty="0"/>
               <a:t>2</a:t>
             </a:r>
             <a:endParaRPr lang="ko-KR" altLang="en-US" sz="3200" b="1" dirty="0"/>
@@ -4183,7 +4138,7 @@
           <a:p>
             <a:pPr algn="ctr"/>
             <a:r>
-              <a:rPr lang="en-US" altLang="ko-KR" sz="3200" b="1" dirty="0" smtClean="0"/>
+              <a:rPr lang="en-US" altLang="ko-KR" sz="3200" b="1" dirty="0"/>
               <a:t>2</a:t>
             </a:r>
             <a:endParaRPr lang="ko-KR" altLang="en-US" sz="3200" b="1" dirty="0"/>
@@ -4225,7 +4180,7 @@
           <a:p>
             <a:pPr algn="ctr"/>
             <a:r>
-              <a:rPr lang="en-US" altLang="ko-KR" sz="3200" b="1" dirty="0" smtClean="0"/>
+              <a:rPr lang="en-US" altLang="ko-KR" sz="3200" b="1" dirty="0"/>
               <a:t>1</a:t>
             </a:r>
             <a:endParaRPr lang="ko-KR" altLang="en-US" sz="3200" b="1" dirty="0"/>
@@ -5138,7 +5093,7 @@
           <a:lstStyle/>
           <a:p>
             <a:r>
-              <a:rPr lang="ko-KR" altLang="en-US" sz="3600" b="1" dirty="0" smtClean="0">
+              <a:rPr lang="ko-KR" altLang="en-US" sz="3600" b="1" dirty="0">
                 <a:effectLst>
                   <a:outerShdw blurRad="38100" dist="38100" dir="2700000" algn="tl">
                     <a:srgbClr val="000000">
@@ -5149,15 +5104,6 @@
               </a:rPr>
               <a:t>리드 타임</a:t>
             </a:r>
-            <a:endParaRPr lang="ko-KR" altLang="en-US" sz="3600" b="1" dirty="0">
-              <a:effectLst>
-                <a:outerShdw blurRad="38100" dist="38100" dir="2700000" algn="tl">
-                  <a:srgbClr val="000000">
-                    <a:alpha val="43137"/>
-                  </a:srgbClr>
-                </a:outerShdw>
-              </a:effectLst>
-            </a:endParaRPr>
           </a:p>
         </p:txBody>
       </p:sp>
@@ -5310,7 +5256,7 @@
               <a:t> </a:t>
             </a:r>
             <a:r>
-              <a:rPr lang="en-US" altLang="ko-KR" dirty="0" smtClean="0"/>
+              <a:rPr lang="en-US" altLang="ko-KR" dirty="0"/>
               <a:t>VS SCRUM</a:t>
             </a:r>
             <a:endParaRPr lang="ko-KR" altLang="en-US" dirty="0"/>
@@ -5431,7 +5377,7 @@
                     <a:p>
                       <a:pPr algn="ctr"/>
                       <a:r>
-                        <a:rPr lang="en-US" altLang="ko-KR" sz="2400" b="1" i="1" u="none" strike="noStrike" dirty="0" smtClean="0">
+                        <a:rPr lang="en-US" altLang="ko-KR" sz="2400" b="1" i="1" u="none" strike="noStrike" dirty="0">
                           <a:solidFill>
                             <a:schemeClr val="tx1"/>
                           </a:solidFill>
@@ -5498,7 +5444,7 @@
                     <a:p>
                       <a:pPr algn="ctr"/>
                       <a:r>
-                        <a:rPr lang="ko-KR" altLang="en-US" sz="2400" b="1" i="1" u="none" strike="noStrike" dirty="0" err="1" smtClean="0">
+                        <a:rPr lang="ko-KR" altLang="en-US" sz="2400" b="1" i="1" u="none" strike="noStrike" dirty="0" err="1">
                           <a:solidFill>
                             <a:schemeClr val="tx1"/>
                           </a:solidFill>
@@ -5759,7 +5705,7 @@
                     <a:lstStyle/>
                     <a:p>
                       <a:r>
-                        <a:rPr lang="ko-KR" altLang="en-US" sz="2400" b="1" dirty="0" smtClean="0">
+                        <a:rPr lang="ko-KR" altLang="en-US" sz="2400" b="1" dirty="0">
                           <a:solidFill>
                             <a:schemeClr val="tx1"/>
                           </a:solidFill>
@@ -5769,7 +5715,7 @@
                         <a:t>없음 </a:t>
                       </a:r>
                       <a:r>
-                        <a:rPr lang="en-US" altLang="ko-KR" sz="2400" b="1" dirty="0" smtClean="0">
+                        <a:rPr lang="en-US" altLang="ko-KR" sz="2400" b="1" dirty="0">
                           <a:solidFill>
                             <a:schemeClr val="tx1"/>
                           </a:solidFill>
@@ -5780,7 +5726,7 @@
                         <a:t></a:t>
                       </a:r>
                       <a:r>
-                        <a:rPr lang="en-US" altLang="ko-KR" sz="2400" b="1" dirty="0" smtClean="0">
+                        <a:rPr lang="en-US" altLang="ko-KR" sz="2400" b="1" dirty="0">
                           <a:solidFill>
                             <a:schemeClr val="tx1"/>
                           </a:solidFill>
@@ -5875,7 +5821,7 @@
                         </a:rPr>
                         <a:t> </a:t>
                       </a:r>
-                      <a:endParaRPr lang="en-US" altLang="ko-KR" sz="2400" b="1" dirty="0" smtClean="0">
+                      <a:endParaRPr lang="en-US" altLang="ko-KR" sz="2400" b="1" dirty="0">
                         <a:solidFill>
                           <a:schemeClr val="tx1"/>
                         </a:solidFill>
@@ -5885,7 +5831,7 @@
                     </a:p>
                     <a:p>
                       <a:r>
-                        <a:rPr lang="ko-KR" altLang="en-US" sz="2400" b="1" dirty="0" smtClean="0">
+                        <a:rPr lang="ko-KR" altLang="en-US" sz="2400" b="1" dirty="0">
                           <a:solidFill>
                             <a:schemeClr val="tx1"/>
                           </a:solidFill>
@@ -5894,13 +5840,6 @@
                         </a:rPr>
                         <a:t>방법론</a:t>
                       </a:r>
-                      <a:endParaRPr lang="ko-KR" altLang="en-US" sz="2400" b="1" dirty="0">
-                        <a:solidFill>
-                          <a:schemeClr val="tx1"/>
-                        </a:solidFill>
-                        <a:effectLst/>
-                        <a:latin typeface="\B098눔고딕"/>
-                      </a:endParaRPr>
                     </a:p>
                   </a:txBody>
                   <a:tcPr anchor="ctr">
@@ -6067,20 +6006,10 @@
                           <a:effectLst/>
                           <a:latin typeface="\B098눔고딕"/>
                         </a:rPr>
-                        <a:t>연속적인 </a:t>
+                        <a:t>연속적인 배포</a:t>
                       </a:r>
                       <a:r>
-                        <a:rPr lang="ko-KR" altLang="en-US" sz="2400" b="1" u="none" strike="noStrike" dirty="0" smtClean="0">
-                          <a:solidFill>
-                            <a:schemeClr val="tx1"/>
-                          </a:solidFill>
-                          <a:effectLst/>
-                          <a:latin typeface="\B098눔고딕"/>
-                        </a:rPr>
-                        <a:t>배포</a:t>
-                      </a:r>
-                      <a:r>
-                        <a:rPr lang="en-US" altLang="ko-KR" sz="2400" b="1" dirty="0" smtClean="0">
+                        <a:rPr lang="en-US" altLang="ko-KR" sz="2400" b="1" dirty="0">
                           <a:solidFill>
                             <a:schemeClr val="tx1"/>
                           </a:solidFill>
@@ -6545,7 +6474,7 @@
                     <a:lstStyle/>
                     <a:p>
                       <a:r>
-                        <a:rPr lang="ko-KR" altLang="en-US" sz="2400" b="1" dirty="0" smtClean="0">
+                        <a:rPr lang="ko-KR" altLang="en-US" sz="2400" b="1" dirty="0">
                           <a:solidFill>
                             <a:schemeClr val="tx1"/>
                           </a:solidFill>
@@ -6555,7 +6484,7 @@
                         <a:t>없음 </a:t>
                       </a:r>
                       <a:r>
-                        <a:rPr lang="en-US" altLang="ko-KR" sz="2400" b="1" dirty="0" smtClean="0">
+                        <a:rPr lang="en-US" altLang="ko-KR" sz="2400" b="1" dirty="0">
                           <a:solidFill>
                             <a:schemeClr val="tx1"/>
                           </a:solidFill>
@@ -6566,7 +6495,7 @@
                         <a:t></a:t>
                       </a:r>
                       <a:r>
-                        <a:rPr lang="en-US" altLang="ko-KR" sz="2400" b="1" dirty="0" smtClean="0">
+                        <a:rPr lang="en-US" altLang="ko-KR" sz="2400" b="1" dirty="0">
                           <a:solidFill>
                             <a:schemeClr val="tx1"/>
                           </a:solidFill>
@@ -6603,25 +6532,8 @@
                           <a:effectLst/>
                           <a:latin typeface="\B098눔고딕"/>
                         </a:rPr>
-                        <a:t>필요한 역할 </a:t>
+                        <a:t>필요한 역할 추가</a:t>
                       </a:r>
-                      <a:r>
-                        <a:rPr lang="ko-KR" altLang="en-US" sz="2400" b="1" dirty="0" smtClean="0">
-                          <a:solidFill>
-                            <a:schemeClr val="tx1"/>
-                          </a:solidFill>
-                          <a:effectLst/>
-                          <a:latin typeface="\B098눔고딕"/>
-                        </a:rPr>
-                        <a:t>추가</a:t>
-                      </a:r>
-                      <a:endParaRPr lang="ko-KR" altLang="en-US" sz="2400" b="1" dirty="0">
-                        <a:solidFill>
-                          <a:schemeClr val="tx1"/>
-                        </a:solidFill>
-                        <a:effectLst/>
-                        <a:latin typeface="\B098눔고딕"/>
-                      </a:endParaRPr>
                     </a:p>
                   </a:txBody>
                   <a:tcPr anchor="ctr">
@@ -6765,25 +6677,8 @@
                           <a:effectLst/>
                           <a:latin typeface="\B098눔고딕"/>
                         </a:rPr>
-                        <a:t>velocity</a:t>
+                        <a:t>velocity)</a:t>
                       </a:r>
-                      <a:r>
-                        <a:rPr lang="en-US" sz="2400" b="1" dirty="0" smtClean="0">
-                          <a:solidFill>
-                            <a:schemeClr val="tx1"/>
-                          </a:solidFill>
-                          <a:effectLst/>
-                          <a:latin typeface="\B098눔고딕"/>
-                        </a:rPr>
-                        <a:t>)</a:t>
-                      </a:r>
-                      <a:endParaRPr lang="en-US" sz="2400" b="1" dirty="0">
-                        <a:solidFill>
-                          <a:schemeClr val="tx1"/>
-                        </a:solidFill>
-                        <a:effectLst/>
-                        <a:latin typeface="\B098눔고딕"/>
-                      </a:endParaRPr>
                     </a:p>
                   </a:txBody>
                   <a:tcPr anchor="ctr">
@@ -6861,25 +6756,8 @@
                           <a:effectLst/>
                           <a:latin typeface="\B098눔고딕"/>
                         </a:rPr>
-                        <a:t>cycle time</a:t>
+                        <a:t>cycle time)</a:t>
                       </a:r>
-                      <a:r>
-                        <a:rPr lang="en-US" sz="2400" b="1" dirty="0" smtClean="0">
-                          <a:solidFill>
-                            <a:schemeClr val="tx1"/>
-                          </a:solidFill>
-                          <a:effectLst/>
-                          <a:latin typeface="\B098눔고딕"/>
-                        </a:rPr>
-                        <a:t>)</a:t>
-                      </a:r>
-                      <a:endParaRPr lang="en-US" sz="2400" b="1" dirty="0">
-                        <a:solidFill>
-                          <a:schemeClr val="tx1"/>
-                        </a:solidFill>
-                        <a:effectLst/>
-                        <a:latin typeface="\B098눔고딕"/>
-                      </a:endParaRPr>
                     </a:p>
                   </a:txBody>
                   <a:tcPr anchor="ctr">
@@ -7023,25 +6901,8 @@
                           <a:effectLst/>
                           <a:latin typeface="\B098눔고딕"/>
                         </a:rPr>
-                        <a:t>다음 스프린트에 </a:t>
+                        <a:t>다음 스프린트에 반영</a:t>
                       </a:r>
-                      <a:r>
-                        <a:rPr lang="ko-KR" altLang="en-US" sz="2400" b="1" dirty="0" smtClean="0">
-                          <a:solidFill>
-                            <a:schemeClr val="tx1"/>
-                          </a:solidFill>
-                          <a:effectLst/>
-                          <a:latin typeface="\B098눔고딕"/>
-                        </a:rPr>
-                        <a:t>반영</a:t>
-                      </a:r>
-                      <a:endParaRPr lang="ko-KR" altLang="en-US" sz="2400" b="1" dirty="0">
-                        <a:solidFill>
-                          <a:schemeClr val="tx1"/>
-                        </a:solidFill>
-                        <a:effectLst/>
-                        <a:latin typeface="\B098눔고딕"/>
-                      </a:endParaRPr>
                     </a:p>
                   </a:txBody>
                   <a:tcPr anchor="ctr">
@@ -7165,13 +7026,6 @@
   <p:clrMapOvr>
     <a:masterClrMapping/>
   </p:clrMapOvr>
-  <p:timing>
-    <p:tnLst>
-      <p:par>
-        <p:cTn id="1" dur="indefinite" restart="never" nodeType="tmRoot"/>
-      </p:par>
-    </p:tnLst>
-  </p:timing>
 </p:sld>
 </file>
 
@@ -7208,10 +7062,9 @@
           <a:lstStyle/>
           <a:p>
             <a:r>
-              <a:rPr lang="ko-KR" altLang="en-US" dirty="0" smtClean="0"/>
+              <a:rPr lang="ko-KR" altLang="en-US" dirty="0"/>
               <a:t>정리</a:t>
             </a:r>
-            <a:endParaRPr lang="ko-KR" altLang="en-US" dirty="0"/>
           </a:p>
         </p:txBody>
       </p:sp>
@@ -7233,22 +7086,22 @@
           <a:lstStyle/>
           <a:p>
             <a:r>
-              <a:rPr lang="ko-KR" altLang="en-US" dirty="0" err="1" smtClean="0"/>
+              <a:rPr lang="ko-KR" altLang="en-US" dirty="0" err="1"/>
               <a:t>칸반</a:t>
             </a:r>
             <a:r>
-              <a:rPr lang="ko-KR" altLang="en-US" dirty="0" smtClean="0"/>
+              <a:rPr lang="ko-KR" altLang="en-US" dirty="0"/>
               <a:t> 소프트웨어</a:t>
             </a:r>
             <a:r>
-              <a:rPr lang="en-US" altLang="ko-KR" dirty="0" smtClean="0"/>
+              <a:rPr lang="en-US" altLang="ko-KR" dirty="0"/>
               <a:t> </a:t>
             </a:r>
             <a:r>
-              <a:rPr lang="ko-KR" altLang="en-US" dirty="0" smtClean="0"/>
+              <a:rPr lang="ko-KR" altLang="en-US" dirty="0"/>
               <a:t>개발</a:t>
             </a:r>
-            <a:endParaRPr lang="en-US" altLang="ko-KR" dirty="0" smtClean="0"/>
+            <a:endParaRPr lang="en-US" altLang="ko-KR" dirty="0"/>
           </a:p>
         </p:txBody>
       </p:sp>
@@ -7262,13 +7115,6 @@
   <p:clrMapOvr>
     <a:masterClrMapping/>
   </p:clrMapOvr>
-  <p:timing>
-    <p:tnLst>
-      <p:par>
-        <p:cTn id="1" dur="indefinite" restart="never" nodeType="tmRoot"/>
-      </p:par>
-    </p:tnLst>
-  </p:timing>
 </p:sld>
 </file>
 
@@ -7305,18 +7151,17 @@
           <a:lstStyle/>
           <a:p>
             <a:r>
-              <a:rPr lang="ko-KR" altLang="en-US" dirty="0" smtClean="0"/>
+              <a:rPr lang="ko-KR" altLang="en-US" dirty="0"/>
               <a:t>지금까지</a:t>
             </a:r>
             <a:r>
-              <a:rPr lang="en-US" altLang="ko-KR" dirty="0" smtClean="0"/>
+              <a:rPr lang="en-US" altLang="ko-KR" dirty="0"/>
               <a:t> </a:t>
             </a:r>
             <a:r>
-              <a:rPr lang="ko-KR" altLang="en-US" dirty="0" smtClean="0"/>
+              <a:rPr lang="ko-KR" altLang="en-US" dirty="0"/>
               <a:t>다룬 내용</a:t>
             </a:r>
-            <a:endParaRPr lang="ko-KR" altLang="en-US" dirty="0"/>
           </a:p>
         </p:txBody>
       </p:sp>
@@ -7346,19 +7191,19 @@
           <a:p>
             <a:pPr lvl="1"/>
             <a:r>
-              <a:rPr lang="ko-KR" altLang="en-US" dirty="0" err="1" smtClean="0"/>
+              <a:rPr lang="ko-KR" altLang="en-US" dirty="0" err="1"/>
               <a:t>익스트림</a:t>
             </a:r>
             <a:r>
-              <a:rPr lang="ko-KR" altLang="en-US" dirty="0" smtClean="0"/>
+              <a:rPr lang="ko-KR" altLang="en-US" dirty="0"/>
               <a:t> 프로그래밍</a:t>
             </a:r>
-            <a:endParaRPr lang="en-US" altLang="ko-KR" dirty="0" smtClean="0"/>
+            <a:endParaRPr lang="en-US" altLang="ko-KR" dirty="0"/>
           </a:p>
           <a:p>
             <a:pPr lvl="1"/>
             <a:r>
-              <a:rPr lang="ko-KR" altLang="en-US" dirty="0" smtClean="0"/>
+              <a:rPr lang="ko-KR" altLang="en-US" dirty="0"/>
               <a:t>스크럼</a:t>
             </a:r>
             <a:endParaRPr lang="en-US" altLang="ko-KR" sz="4000" dirty="0"/>
@@ -7375,13 +7220,6 @@
   <p:clrMapOvr>
     <a:masterClrMapping/>
   </p:clrMapOvr>
-  <p:timing>
-    <p:tnLst>
-      <p:par>
-        <p:cTn id="1" dur="indefinite" restart="never" nodeType="tmRoot"/>
-      </p:par>
-    </p:tnLst>
-  </p:timing>
 </p:sld>
 </file>
 
@@ -7418,10 +7256,9 @@
           <a:lstStyle/>
           <a:p>
             <a:r>
-              <a:rPr lang="ko-KR" altLang="en-US" dirty="0" smtClean="0"/>
+              <a:rPr lang="ko-KR" altLang="en-US" dirty="0"/>
               <a:t>목차</a:t>
             </a:r>
-            <a:endParaRPr lang="ko-KR" altLang="en-US" dirty="0"/>
           </a:p>
         </p:txBody>
       </p:sp>
@@ -7443,7 +7280,7 @@
           <a:lstStyle/>
           <a:p>
             <a:r>
-              <a:rPr lang="ko-KR" altLang="en-US" sz="3600" dirty="0" err="1" smtClean="0"/>
+              <a:rPr lang="ko-KR" altLang="en-US" sz="3600" dirty="0" err="1"/>
               <a:t>칸반</a:t>
             </a:r>
             <a:endParaRPr lang="en-US" altLang="ko-KR" dirty="0"/>
@@ -7460,13 +7297,6 @@
   <p:clrMapOvr>
     <a:masterClrMapping/>
   </p:clrMapOvr>
-  <p:timing>
-    <p:tnLst>
-      <p:par>
-        <p:cTn id="1" dur="indefinite" restart="never" nodeType="tmRoot"/>
-      </p:par>
-    </p:tnLst>
-  </p:timing>
 </p:sld>
 </file>
 
@@ -7539,13 +7369,6 @@
   <p:clrMapOvr>
     <a:masterClrMapping/>
   </p:clrMapOvr>
-  <p:timing>
-    <p:tnLst>
-      <p:par>
-        <p:cTn id="1" dur="indefinite" restart="never" nodeType="tmRoot"/>
-      </p:par>
-    </p:tnLst>
-  </p:timing>
 </p:sld>
 </file>
 
@@ -7582,11 +7405,11 @@
           <a:lstStyle/>
           <a:p>
             <a:r>
-              <a:rPr lang="ko-KR" altLang="en-US" dirty="0" err="1" smtClean="0"/>
+              <a:rPr lang="ko-KR" altLang="en-US" dirty="0" err="1"/>
               <a:t>칸반</a:t>
             </a:r>
             <a:r>
-              <a:rPr lang="ko-KR" altLang="en-US" dirty="0" smtClean="0"/>
+              <a:rPr lang="ko-KR" altLang="en-US" dirty="0"/>
               <a:t> 개요</a:t>
             </a:r>
             <a:endParaRPr lang="en-US" altLang="ko-KR" dirty="0"/>
@@ -7616,73 +7439,72 @@
           <a:lstStyle/>
           <a:p>
             <a:r>
-              <a:rPr lang="ko-KR" altLang="en-US" dirty="0" err="1" smtClean="0"/>
+              <a:rPr lang="ko-KR" altLang="en-US" dirty="0" err="1"/>
               <a:t>칸반</a:t>
             </a:r>
             <a:r>
-              <a:rPr lang="en-US" altLang="ko-KR" dirty="0" smtClean="0"/>
+              <a:rPr lang="en-US" altLang="ko-KR" dirty="0"/>
               <a:t> (Kanban)</a:t>
             </a:r>
           </a:p>
           <a:p>
             <a:pPr lvl="1"/>
             <a:r>
-              <a:rPr lang="en-US" altLang="ko-KR" dirty="0" smtClean="0"/>
+              <a:rPr lang="en-US" altLang="ko-KR" dirty="0"/>
               <a:t>1940</a:t>
             </a:r>
             <a:r>
-              <a:rPr lang="ko-KR" altLang="en-US" dirty="0" smtClean="0"/>
+              <a:rPr lang="ko-KR" altLang="en-US" dirty="0"/>
               <a:t>년도 후반</a:t>
             </a:r>
             <a:r>
-              <a:rPr lang="en-US" altLang="ko-KR" dirty="0" smtClean="0"/>
+              <a:rPr lang="en-US" altLang="ko-KR" dirty="0"/>
               <a:t>, </a:t>
             </a:r>
             <a:r>
-              <a:rPr lang="ko-KR" altLang="en-US" dirty="0" err="1" smtClean="0"/>
+              <a:rPr lang="ko-KR" altLang="en-US" dirty="0" err="1"/>
               <a:t>도요타는</a:t>
             </a:r>
             <a:r>
-              <a:rPr lang="ko-KR" altLang="en-US" dirty="0" smtClean="0"/>
+              <a:rPr lang="ko-KR" altLang="en-US" dirty="0"/>
               <a:t> 슈퍼 마켓에서 사용되는 재고 처리 방식을 생산 공정에 도입</a:t>
             </a:r>
-            <a:endParaRPr lang="en-US" altLang="ko-KR" dirty="0" smtClean="0"/>
+            <a:endParaRPr lang="en-US" altLang="ko-KR" dirty="0"/>
           </a:p>
           <a:p>
             <a:pPr lvl="1"/>
             <a:r>
-              <a:rPr lang="ko-KR" altLang="en-US" dirty="0" smtClean="0"/>
+              <a:rPr lang="ko-KR" altLang="en-US" dirty="0"/>
               <a:t>소비</a:t>
             </a:r>
             <a:r>
-              <a:rPr lang="en-US" altLang="ko-KR" dirty="0" smtClean="0"/>
+              <a:rPr lang="en-US" altLang="ko-KR" dirty="0"/>
               <a:t>-</a:t>
             </a:r>
             <a:r>
-              <a:rPr lang="ko-KR" altLang="en-US" dirty="0" smtClean="0"/>
+              <a:rPr lang="ko-KR" altLang="en-US" dirty="0"/>
               <a:t>재고의 균형을 맞추기 위함</a:t>
             </a:r>
-            <a:endParaRPr lang="en-US" altLang="ko-KR" dirty="0" smtClean="0"/>
+            <a:endParaRPr lang="en-US" altLang="ko-KR" dirty="0"/>
           </a:p>
           <a:p>
             <a:pPr lvl="1"/>
             <a:r>
-              <a:rPr lang="en-US" altLang="ko-KR" dirty="0" smtClean="0"/>
+              <a:rPr lang="en-US" altLang="ko-KR" dirty="0"/>
               <a:t>‘</a:t>
             </a:r>
             <a:r>
-              <a:rPr lang="ko-KR" altLang="en-US" dirty="0" smtClean="0"/>
+              <a:rPr lang="ko-KR" altLang="en-US" dirty="0"/>
               <a:t>간판</a:t>
             </a:r>
             <a:r>
-              <a:rPr lang="en-US" altLang="ko-KR" dirty="0" smtClean="0"/>
+              <a:rPr lang="en-US" altLang="ko-KR" dirty="0"/>
               <a:t>'</a:t>
             </a:r>
             <a:r>
-              <a:rPr lang="ko-KR" altLang="en-US" dirty="0" smtClean="0"/>
+              <a:rPr lang="ko-KR" altLang="en-US" dirty="0"/>
               <a:t>을 사용하여 시각화 된 공정의 흐름을 유지</a:t>
             </a:r>
-            <a:endParaRPr lang="ko-KR" altLang="en-US" dirty="0"/>
           </a:p>
         </p:txBody>
       </p:sp>
@@ -7737,13 +7559,6 @@
   <p:clrMapOvr>
     <a:masterClrMapping/>
   </p:clrMapOvr>
-  <p:timing>
-    <p:tnLst>
-      <p:par>
-        <p:cTn id="1" dur="indefinite" restart="never" nodeType="tmRoot"/>
-      </p:par>
-    </p:tnLst>
-  </p:timing>
 </p:sld>
 </file>
 
@@ -7821,11 +7636,11 @@
           <a:lstStyle/>
           <a:p>
             <a:r>
-              <a:rPr lang="ko-KR" altLang="en-US" dirty="0" err="1" smtClean="0"/>
+              <a:rPr lang="ko-KR" altLang="en-US" dirty="0" err="1"/>
               <a:t>칸반</a:t>
             </a:r>
             <a:r>
-              <a:rPr lang="ko-KR" altLang="en-US" dirty="0" smtClean="0"/>
+              <a:rPr lang="ko-KR" altLang="en-US" dirty="0"/>
               <a:t> 개요</a:t>
             </a:r>
             <a:endParaRPr lang="en-US" altLang="ko-KR" dirty="0"/>
@@ -7855,19 +7670,15 @@
           <a:lstStyle/>
           <a:p>
             <a:r>
-              <a:rPr lang="ko-KR" altLang="en-US" dirty="0" smtClean="0"/>
-              <a:t>시각적 </a:t>
-            </a:r>
-            <a:r>
-              <a:rPr lang="ko-KR" altLang="en-US" dirty="0" smtClean="0"/>
-              <a:t>신호를 사용</a:t>
-            </a:r>
-            <a:r>
-              <a:rPr lang="en-US" altLang="ko-KR" dirty="0" smtClean="0"/>
+              <a:rPr lang="ko-KR" altLang="en-US" dirty="0"/>
+              <a:t>시각적 신호를 사용</a:t>
+            </a:r>
+            <a:r>
+              <a:rPr lang="en-US" altLang="ko-KR" dirty="0"/>
               <a:t>, </a:t>
             </a:r>
             <a:r>
-              <a:rPr lang="ko-KR" altLang="en-US" dirty="0" smtClean="0">
+              <a:rPr lang="ko-KR" altLang="en-US" dirty="0">
                 <a:solidFill>
                   <a:srgbClr val="FF0000"/>
                 </a:solidFill>
@@ -7875,7 +7686,7 @@
               <a:t>진행 중 업무</a:t>
             </a:r>
             <a:r>
-              <a:rPr lang="en-US" altLang="ko-KR" dirty="0" smtClean="0">
+              <a:rPr lang="en-US" altLang="ko-KR" dirty="0">
                 <a:solidFill>
                   <a:srgbClr val="FF0000"/>
                 </a:solidFill>
@@ -7883,7 +7694,7 @@
               <a:t>(</a:t>
             </a:r>
             <a:r>
-              <a:rPr lang="en-US" altLang="ko-KR" dirty="0" err="1" smtClean="0">
+              <a:rPr lang="en-US" altLang="ko-KR" dirty="0" err="1">
                 <a:solidFill>
                   <a:srgbClr val="FF0000"/>
                 </a:solidFill>
@@ -7891,7 +7702,7 @@
               <a:t>WiP</a:t>
             </a:r>
             <a:r>
-              <a:rPr lang="en-US" altLang="ko-KR" dirty="0" smtClean="0">
+              <a:rPr lang="en-US" altLang="ko-KR" dirty="0">
                 <a:solidFill>
                   <a:srgbClr val="FF0000"/>
                 </a:solidFill>
@@ -7899,25 +7710,24 @@
               <a:t>: work in process)</a:t>
             </a:r>
             <a:r>
-              <a:rPr lang="ko-KR" altLang="en-US" dirty="0" smtClean="0"/>
+              <a:rPr lang="ko-KR" altLang="en-US" dirty="0"/>
               <a:t>의 양을 제한하는 흐름 시스템</a:t>
             </a:r>
-            <a:endParaRPr lang="en-US" altLang="ko-KR" dirty="0" smtClean="0"/>
-          </a:p>
-          <a:p>
-            <a:r>
-              <a:rPr lang="ko-KR" altLang="en-US" dirty="0" smtClean="0"/>
+            <a:endParaRPr lang="en-US" altLang="ko-KR" dirty="0"/>
+          </a:p>
+          <a:p>
+            <a:r>
+              <a:rPr lang="ko-KR" altLang="en-US" dirty="0"/>
               <a:t>당김</a:t>
             </a:r>
             <a:r>
-              <a:rPr lang="en-US" altLang="ko-KR" dirty="0" smtClean="0"/>
+              <a:rPr lang="en-US" altLang="ko-KR" dirty="0"/>
               <a:t> </a:t>
             </a:r>
             <a:r>
-              <a:rPr lang="ko-KR" altLang="en-US" dirty="0" smtClean="0"/>
+              <a:rPr lang="ko-KR" altLang="en-US" dirty="0"/>
               <a:t>시스템</a:t>
             </a:r>
-            <a:endParaRPr lang="ko-KR" altLang="en-US" dirty="0"/>
           </a:p>
         </p:txBody>
       </p:sp>
@@ -7931,13 +7741,6 @@
   <p:clrMapOvr>
     <a:masterClrMapping/>
   </p:clrMapOvr>
-  <p:timing>
-    <p:tnLst>
-      <p:par>
-        <p:cTn id="1" dur="indefinite" restart="never" nodeType="tmRoot"/>
-      </p:par>
-    </p:tnLst>
-  </p:timing>
 </p:sld>
 </file>
 
@@ -7979,13 +7782,8 @@
             </a:r>
             <a:r>
               <a:rPr lang="ko-KR" altLang="en-US" dirty="0"/>
-              <a:t> </a:t>
-            </a:r>
-            <a:r>
-              <a:rPr lang="ko-KR" altLang="en-US" dirty="0" smtClean="0"/>
-              <a:t>원칙</a:t>
-            </a:r>
-            <a:endParaRPr lang="ko-KR" altLang="en-US" dirty="0"/>
+              <a:t> 원칙</a:t>
+            </a:r>
           </a:p>
         </p:txBody>
       </p:sp>
@@ -8005,7 +7803,7 @@
           <a:lstStyle/>
           <a:p>
             <a:r>
-              <a:rPr lang="ko-KR" altLang="en-US" dirty="0" err="1" smtClean="0">
+              <a:rPr lang="ko-KR" altLang="en-US" dirty="0" err="1">
                 <a:solidFill>
                   <a:srgbClr val="FF0000"/>
                 </a:solidFill>
@@ -8013,14 +7811,14 @@
               <a:t>워크플로우</a:t>
             </a:r>
             <a:r>
-              <a:rPr lang="ko-KR" altLang="en-US" dirty="0" smtClean="0">
+              <a:rPr lang="ko-KR" altLang="en-US" dirty="0">
                 <a:solidFill>
                   <a:srgbClr val="FF0000"/>
                 </a:solidFill>
               </a:rPr>
               <a:t> 시각화</a:t>
             </a:r>
-            <a:endParaRPr lang="en-US" altLang="ko-KR" dirty="0" smtClean="0">
+            <a:endParaRPr lang="en-US" altLang="ko-KR" dirty="0">
               <a:solidFill>
                 <a:srgbClr val="FF0000"/>
               </a:solidFill>
@@ -8031,14 +7829,14 @@
           </a:p>
           <a:p>
             <a:r>
-              <a:rPr lang="ko-KR" altLang="en-US" dirty="0" smtClean="0">
+              <a:rPr lang="ko-KR" altLang="en-US" dirty="0">
                 <a:solidFill>
                   <a:srgbClr val="FF0000"/>
                 </a:solidFill>
               </a:rPr>
               <a:t>진행중인 작업 제한</a:t>
             </a:r>
-            <a:endParaRPr lang="en-US" altLang="ko-KR" dirty="0" smtClean="0">
+            <a:endParaRPr lang="en-US" altLang="ko-KR" dirty="0">
               <a:solidFill>
                 <a:srgbClr val="FF0000"/>
               </a:solidFill>
@@ -8049,7 +7847,7 @@
           </a:p>
           <a:p>
             <a:r>
-              <a:rPr lang="ko-KR" altLang="en-US" dirty="0" smtClean="0">
+              <a:rPr lang="ko-KR" altLang="en-US" dirty="0">
                 <a:solidFill>
                   <a:srgbClr val="FF0000"/>
                 </a:solidFill>
@@ -8057,7 +7855,7 @@
               <a:t>흐름</a:t>
             </a:r>
             <a:r>
-              <a:rPr lang="en-US" altLang="ko-KR" dirty="0" smtClean="0">
+              <a:rPr lang="en-US" altLang="ko-KR" dirty="0">
                 <a:solidFill>
                   <a:srgbClr val="FF0000"/>
                 </a:solidFill>
@@ -8065,18 +7863,13 @@
               <a:t> </a:t>
             </a:r>
             <a:r>
-              <a:rPr lang="ko-KR" altLang="en-US" dirty="0" smtClean="0">
+              <a:rPr lang="ko-KR" altLang="en-US" dirty="0">
                 <a:solidFill>
                   <a:srgbClr val="FF0000"/>
                 </a:solidFill>
               </a:rPr>
               <a:t>관리</a:t>
             </a:r>
-            <a:endParaRPr lang="ko-KR" altLang="en-US" dirty="0">
-              <a:solidFill>
-                <a:srgbClr val="FF0000"/>
-              </a:solidFill>
-            </a:endParaRPr>
           </a:p>
         </p:txBody>
       </p:sp>
@@ -8090,13 +7883,6 @@
   <p:clrMapOvr>
     <a:masterClrMapping/>
   </p:clrMapOvr>
-  <p:timing>
-    <p:tnLst>
-      <p:par>
-        <p:cTn id="1" dur="indefinite" restart="never" nodeType="tmRoot"/>
-      </p:par>
-    </p:tnLst>
-  </p:timing>
 </p:sld>
 </file>
 
@@ -8140,25 +7926,20 @@
             </a:r>
             <a:r>
               <a:rPr lang="ko-KR" altLang="en-US" dirty="0"/>
-              <a:t> </a:t>
-            </a:r>
-            <a:r>
-              <a:rPr lang="ko-KR" altLang="en-US" dirty="0" smtClean="0"/>
-              <a:t>원칙 </a:t>
-            </a:r>
-            <a:r>
-              <a:rPr lang="en-US" altLang="ko-KR" dirty="0" smtClean="0"/>
+              <a:t> 원칙 </a:t>
+            </a:r>
+            <a:r>
+              <a:rPr lang="en-US" altLang="ko-KR" dirty="0"/>
               <a:t>: </a:t>
             </a:r>
             <a:r>
-              <a:rPr lang="ko-KR" altLang="en-US" dirty="0" err="1" smtClean="0"/>
+              <a:rPr lang="ko-KR" altLang="en-US" dirty="0" err="1"/>
               <a:t>워크플로우</a:t>
             </a:r>
             <a:r>
-              <a:rPr lang="ko-KR" altLang="en-US" dirty="0" smtClean="0"/>
+              <a:rPr lang="ko-KR" altLang="en-US" dirty="0"/>
               <a:t> 시각화</a:t>
             </a:r>
-            <a:endParaRPr lang="ko-KR" altLang="en-US" dirty="0"/>
           </a:p>
         </p:txBody>
       </p:sp>
@@ -8232,10 +8013,9 @@
                     <a:p>
                       <a:pPr algn="ctr" latinLnBrk="1"/>
                       <a:r>
-                        <a:rPr lang="ko-KR" altLang="en-US" sz="3200" dirty="0" smtClean="0"/>
+                        <a:rPr lang="ko-KR" altLang="en-US" sz="3200" dirty="0"/>
                         <a:t>목록</a:t>
                       </a:r>
-                      <a:endParaRPr lang="ko-KR" altLang="en-US" sz="3200" dirty="0"/>
                     </a:p>
                   </a:txBody>
                   <a:tcPr anchor="ctr"/>
@@ -8247,10 +8027,9 @@
                     <a:p>
                       <a:pPr algn="ctr" latinLnBrk="1"/>
                       <a:r>
-                        <a:rPr lang="ko-KR" altLang="en-US" sz="3200" dirty="0" smtClean="0"/>
+                        <a:rPr lang="ko-KR" altLang="en-US" sz="3200" dirty="0"/>
                         <a:t>우선과제</a:t>
                       </a:r>
-                      <a:endParaRPr lang="ko-KR" altLang="en-US" sz="3200" dirty="0"/>
                     </a:p>
                   </a:txBody>
                   <a:tcPr anchor="ctr"/>
@@ -8262,7 +8041,7 @@
                     <a:p>
                       <a:pPr algn="ctr" latinLnBrk="1"/>
                       <a:r>
-                        <a:rPr lang="ko-KR" altLang="en-US" sz="3200" dirty="0" err="1" smtClean="0"/>
+                        <a:rPr lang="ko-KR" altLang="en-US" sz="3200" dirty="0" err="1"/>
                         <a:t>개발중</a:t>
                       </a:r>
                       <a:endParaRPr lang="ko-KR" altLang="en-US" sz="3200" dirty="0"/>
@@ -8277,10 +8056,9 @@
                     <a:p>
                       <a:pPr algn="ctr" latinLnBrk="1"/>
                       <a:r>
-                        <a:rPr lang="ko-KR" altLang="en-US" sz="3200" dirty="0" smtClean="0"/>
+                        <a:rPr lang="ko-KR" altLang="en-US" sz="3200" dirty="0"/>
                         <a:t>완료</a:t>
                       </a:r>
-                      <a:endParaRPr lang="ko-KR" altLang="en-US" sz="3200" dirty="0"/>
                     </a:p>
                   </a:txBody>
                   <a:tcPr anchor="ctr"/>
@@ -8292,10 +8070,9 @@
                     <a:p>
                       <a:pPr algn="ctr" latinLnBrk="1"/>
                       <a:r>
-                        <a:rPr lang="ko-KR" altLang="en-US" sz="3200" dirty="0" smtClean="0"/>
+                        <a:rPr lang="ko-KR" altLang="en-US" sz="3200" dirty="0"/>
                         <a:t>배포</a:t>
                       </a:r>
-                      <a:endParaRPr lang="ko-KR" altLang="en-US" sz="3200" dirty="0"/>
                     </a:p>
                   </a:txBody>
                   <a:tcPr anchor="ctr"/>
@@ -8409,7 +8186,7 @@
           <a:p>
             <a:pPr algn="ctr"/>
             <a:r>
-              <a:rPr lang="en-US" altLang="ko-KR" dirty="0" smtClean="0"/>
+              <a:rPr lang="en-US" altLang="ko-KR" dirty="0"/>
               <a:t>A</a:t>
             </a:r>
             <a:endParaRPr lang="ko-KR" altLang="en-US" dirty="0"/>
@@ -8453,7 +8230,7 @@
           <a:p>
             <a:pPr algn="ctr"/>
             <a:r>
-              <a:rPr lang="en-US" altLang="ko-KR" dirty="0" smtClean="0"/>
+              <a:rPr lang="en-US" altLang="ko-KR" dirty="0"/>
               <a:t>B</a:t>
             </a:r>
             <a:endParaRPr lang="ko-KR" altLang="en-US" dirty="0"/>
@@ -8497,7 +8274,7 @@
           <a:p>
             <a:pPr algn="ctr"/>
             <a:r>
-              <a:rPr lang="en-US" altLang="ko-KR" dirty="0" smtClean="0"/>
+              <a:rPr lang="en-US" altLang="ko-KR" dirty="0"/>
               <a:t>C</a:t>
             </a:r>
             <a:endParaRPr lang="ko-KR" altLang="en-US" dirty="0"/>
@@ -8541,7 +8318,7 @@
           <a:p>
             <a:pPr algn="ctr"/>
             <a:r>
-              <a:rPr lang="en-US" altLang="ko-KR" dirty="0" smtClean="0"/>
+              <a:rPr lang="en-US" altLang="ko-KR" dirty="0"/>
               <a:t>D</a:t>
             </a:r>
             <a:endParaRPr lang="ko-KR" altLang="en-US" dirty="0"/>
@@ -8585,7 +8362,7 @@
           <a:p>
             <a:pPr algn="ctr"/>
             <a:r>
-              <a:rPr lang="en-US" altLang="ko-KR" dirty="0" smtClean="0"/>
+              <a:rPr lang="en-US" altLang="ko-KR" dirty="0"/>
               <a:t>E</a:t>
             </a:r>
             <a:endParaRPr lang="ko-KR" altLang="en-US" dirty="0"/>
@@ -8627,7 +8404,7 @@
           <a:p>
             <a:pPr algn="ctr"/>
             <a:r>
-              <a:rPr lang="en-US" altLang="ko-KR" dirty="0" smtClean="0"/>
+              <a:rPr lang="en-US" altLang="ko-KR" dirty="0"/>
               <a:t>F</a:t>
             </a:r>
             <a:endParaRPr lang="ko-KR" altLang="en-US" dirty="0"/>
@@ -8671,7 +8448,7 @@
           <a:p>
             <a:pPr algn="ctr"/>
             <a:r>
-              <a:rPr lang="en-US" altLang="ko-KR" dirty="0" smtClean="0"/>
+              <a:rPr lang="en-US" altLang="ko-KR" dirty="0"/>
               <a:t>G</a:t>
             </a:r>
             <a:endParaRPr lang="ko-KR" altLang="en-US" dirty="0"/>
@@ -8715,7 +8492,7 @@
           <a:p>
             <a:pPr algn="ctr"/>
             <a:r>
-              <a:rPr lang="en-US" altLang="ko-KR" dirty="0" smtClean="0"/>
+              <a:rPr lang="en-US" altLang="ko-KR" dirty="0"/>
               <a:t>H</a:t>
             </a:r>
             <a:endParaRPr lang="ko-KR" altLang="en-US" dirty="0"/>
@@ -8757,7 +8534,7 @@
           <a:p>
             <a:pPr algn="ctr"/>
             <a:r>
-              <a:rPr lang="en-US" altLang="ko-KR" dirty="0" smtClean="0"/>
+              <a:rPr lang="en-US" altLang="ko-KR" dirty="0"/>
               <a:t>I</a:t>
             </a:r>
             <a:endParaRPr lang="ko-KR" altLang="en-US" dirty="0"/>
@@ -8788,14 +8565,13 @@
           <a:p>
             <a:pPr algn="ctr"/>
             <a:r>
-              <a:rPr lang="ko-KR" altLang="en-US" sz="3200" dirty="0" smtClean="0"/>
+              <a:rPr lang="ko-KR" altLang="en-US" sz="3200" dirty="0"/>
               <a:t>현재 진행중인 </a:t>
             </a:r>
             <a:r>
-              <a:rPr lang="ko-KR" altLang="en-US" sz="3200" smtClean="0"/>
+              <a:rPr lang="ko-KR" altLang="en-US" sz="3200"/>
               <a:t>상황을 시각화 함</a:t>
             </a:r>
-            <a:endParaRPr lang="ko-KR" altLang="en-US" sz="3200"/>
           </a:p>
         </p:txBody>
       </p:sp>
@@ -8859,12 +8635,8 @@
               <a:t>: </a:t>
             </a:r>
             <a:r>
-              <a:rPr lang="ko-KR" altLang="en-US" dirty="0" smtClean="0"/>
-              <a:t>진행중인 </a:t>
-            </a:r>
-            <a:r>
               <a:rPr lang="ko-KR" altLang="en-US" dirty="0"/>
-              <a:t>작업 제한</a:t>
+              <a:t>진행중인 작업 제한</a:t>
             </a:r>
             <a:endParaRPr lang="en-US" altLang="ko-KR" dirty="0"/>
           </a:p>
@@ -8940,10 +8712,9 @@
                     <a:p>
                       <a:pPr algn="ctr" latinLnBrk="1"/>
                       <a:r>
-                        <a:rPr lang="ko-KR" altLang="en-US" sz="3200" dirty="0" smtClean="0"/>
+                        <a:rPr lang="ko-KR" altLang="en-US" sz="3200" dirty="0"/>
                         <a:t>목록</a:t>
                       </a:r>
-                      <a:endParaRPr lang="ko-KR" altLang="en-US" sz="3200" dirty="0"/>
                     </a:p>
                   </a:txBody>
                   <a:tcPr anchor="ctr"/>
@@ -8955,10 +8726,9 @@
                     <a:p>
                       <a:pPr algn="ctr" latinLnBrk="1"/>
                       <a:r>
-                        <a:rPr lang="ko-KR" altLang="en-US" sz="3200" dirty="0" smtClean="0"/>
+                        <a:rPr lang="ko-KR" altLang="en-US" sz="3200" dirty="0"/>
                         <a:t>우선과제</a:t>
                       </a:r>
-                      <a:endParaRPr lang="ko-KR" altLang="en-US" sz="3200" dirty="0"/>
                     </a:p>
                   </a:txBody>
                   <a:tcPr anchor="ctr"/>
@@ -8970,10 +8740,9 @@
                     <a:p>
                       <a:pPr algn="ctr" latinLnBrk="1"/>
                       <a:r>
-                        <a:rPr lang="ko-KR" altLang="en-US" sz="3200" dirty="0" smtClean="0"/>
+                        <a:rPr lang="ko-KR" altLang="en-US" sz="3200" dirty="0"/>
                         <a:t>개발 진행</a:t>
                       </a:r>
-                      <a:endParaRPr lang="ko-KR" altLang="en-US" sz="3200" dirty="0"/>
                     </a:p>
                   </a:txBody>
                   <a:tcPr anchor="ctr"/>
@@ -8985,10 +8754,9 @@
                     <a:p>
                       <a:pPr algn="ctr" latinLnBrk="1"/>
                       <a:r>
-                        <a:rPr lang="ko-KR" altLang="en-US" sz="3200" dirty="0" smtClean="0"/>
+                        <a:rPr lang="ko-KR" altLang="en-US" sz="3200" dirty="0"/>
                         <a:t>개발 완료</a:t>
                       </a:r>
-                      <a:endParaRPr lang="ko-KR" altLang="en-US" sz="3200" dirty="0"/>
                     </a:p>
                   </a:txBody>
                   <a:tcPr anchor="ctr"/>
@@ -9000,10 +8768,9 @@
                     <a:p>
                       <a:pPr algn="ctr" latinLnBrk="1"/>
                       <a:r>
-                        <a:rPr lang="ko-KR" altLang="en-US" sz="3200" dirty="0" smtClean="0"/>
+                        <a:rPr lang="ko-KR" altLang="en-US" sz="3200" dirty="0"/>
                         <a:t>배포</a:t>
                       </a:r>
-                      <a:endParaRPr lang="ko-KR" altLang="en-US" sz="3200" dirty="0"/>
                     </a:p>
                   </a:txBody>
                   <a:tcPr anchor="ctr"/>
@@ -9117,7 +8884,7 @@
           <a:p>
             <a:pPr algn="ctr"/>
             <a:r>
-              <a:rPr lang="en-US" altLang="ko-KR" dirty="0" smtClean="0"/>
+              <a:rPr lang="en-US" altLang="ko-KR" dirty="0"/>
               <a:t>A</a:t>
             </a:r>
             <a:endParaRPr lang="ko-KR" altLang="en-US" dirty="0"/>
@@ -9161,7 +8928,7 @@
           <a:p>
             <a:pPr algn="ctr"/>
             <a:r>
-              <a:rPr lang="en-US" altLang="ko-KR" dirty="0" smtClean="0"/>
+              <a:rPr lang="en-US" altLang="ko-KR" dirty="0"/>
               <a:t>B</a:t>
             </a:r>
             <a:endParaRPr lang="ko-KR" altLang="en-US" dirty="0"/>
@@ -9205,7 +8972,7 @@
           <a:p>
             <a:pPr algn="ctr"/>
             <a:r>
-              <a:rPr lang="en-US" altLang="ko-KR" dirty="0" smtClean="0"/>
+              <a:rPr lang="en-US" altLang="ko-KR" dirty="0"/>
               <a:t>C</a:t>
             </a:r>
             <a:endParaRPr lang="ko-KR" altLang="en-US" dirty="0"/>
@@ -9249,7 +9016,7 @@
           <a:p>
             <a:pPr algn="ctr"/>
             <a:r>
-              <a:rPr lang="en-US" altLang="ko-KR" dirty="0" smtClean="0"/>
+              <a:rPr lang="en-US" altLang="ko-KR" dirty="0"/>
               <a:t>D</a:t>
             </a:r>
             <a:endParaRPr lang="ko-KR" altLang="en-US" dirty="0"/>
@@ -9293,7 +9060,7 @@
           <a:p>
             <a:pPr algn="ctr"/>
             <a:r>
-              <a:rPr lang="en-US" altLang="ko-KR" dirty="0" smtClean="0"/>
+              <a:rPr lang="en-US" altLang="ko-KR" dirty="0"/>
               <a:t>E</a:t>
             </a:r>
             <a:endParaRPr lang="ko-KR" altLang="en-US" dirty="0"/>
@@ -9335,7 +9102,7 @@
           <a:p>
             <a:pPr algn="ctr"/>
             <a:r>
-              <a:rPr lang="en-US" altLang="ko-KR" dirty="0" smtClean="0"/>
+              <a:rPr lang="en-US" altLang="ko-KR" dirty="0"/>
               <a:t>F</a:t>
             </a:r>
             <a:endParaRPr lang="ko-KR" altLang="en-US" dirty="0"/>
@@ -9379,7 +9146,7 @@
           <a:p>
             <a:pPr algn="ctr"/>
             <a:r>
-              <a:rPr lang="en-US" altLang="ko-KR" dirty="0" smtClean="0"/>
+              <a:rPr lang="en-US" altLang="ko-KR" dirty="0"/>
               <a:t>G</a:t>
             </a:r>
             <a:endParaRPr lang="ko-KR" altLang="en-US" dirty="0"/>
@@ -9423,7 +9190,7 @@
           <a:p>
             <a:pPr algn="ctr"/>
             <a:r>
-              <a:rPr lang="en-US" altLang="ko-KR" dirty="0" smtClean="0"/>
+              <a:rPr lang="en-US" altLang="ko-KR" dirty="0"/>
               <a:t>H</a:t>
             </a:r>
             <a:endParaRPr lang="ko-KR" altLang="en-US" dirty="0"/>
@@ -9465,7 +9232,7 @@
           <a:p>
             <a:pPr algn="ctr"/>
             <a:r>
-              <a:rPr lang="en-US" altLang="ko-KR" dirty="0" smtClean="0"/>
+              <a:rPr lang="en-US" altLang="ko-KR" dirty="0"/>
               <a:t>I</a:t>
             </a:r>
             <a:endParaRPr lang="ko-KR" altLang="en-US" dirty="0"/>
@@ -9507,7 +9274,7 @@
           <a:p>
             <a:pPr algn="ctr"/>
             <a:r>
-              <a:rPr lang="en-US" altLang="ko-KR" sz="3200" b="1" dirty="0" smtClean="0"/>
+              <a:rPr lang="en-US" altLang="ko-KR" sz="3200" b="1" dirty="0"/>
               <a:t>2</a:t>
             </a:r>
             <a:endParaRPr lang="ko-KR" altLang="en-US" sz="3200" b="1" dirty="0"/>
@@ -9549,7 +9316,7 @@
           <a:p>
             <a:pPr algn="ctr"/>
             <a:r>
-              <a:rPr lang="en-US" altLang="ko-KR" sz="3200" b="1" dirty="0" smtClean="0"/>
+              <a:rPr lang="en-US" altLang="ko-KR" sz="3200" b="1" dirty="0"/>
               <a:t>2</a:t>
             </a:r>
             <a:endParaRPr lang="ko-KR" altLang="en-US" sz="3200" b="1" dirty="0"/>
@@ -9591,7 +9358,7 @@
           <a:p>
             <a:pPr algn="ctr"/>
             <a:r>
-              <a:rPr lang="en-US" altLang="ko-KR" sz="3200" b="1" dirty="0" smtClean="0"/>
+              <a:rPr lang="en-US" altLang="ko-KR" sz="3200" b="1" dirty="0"/>
               <a:t>1</a:t>
             </a:r>
             <a:endParaRPr lang="ko-KR" altLang="en-US" sz="3200" b="1" dirty="0"/>
@@ -10466,7 +10233,7 @@
           <a:lstStyle/>
           <a:p>
             <a:r>
-              <a:rPr lang="en-US" altLang="ko-KR" dirty="0" err="1" smtClean="0">
+              <a:rPr lang="en-US" altLang="ko-KR" dirty="0" err="1">
                 <a:solidFill>
                   <a:srgbClr val="FF0000"/>
                 </a:solidFill>
@@ -10474,7 +10241,7 @@
               <a:t>WiP</a:t>
             </a:r>
             <a:r>
-              <a:rPr lang="en-US" altLang="ko-KR" dirty="0" smtClean="0">
+              <a:rPr lang="en-US" altLang="ko-KR" dirty="0">
                 <a:solidFill>
                   <a:srgbClr val="FF0000"/>
                 </a:solidFill>
@@ -10507,7 +10274,7 @@
           <a:lstStyle/>
           <a:p>
             <a:r>
-              <a:rPr lang="en-US" altLang="ko-KR" dirty="0" err="1" smtClean="0">
+              <a:rPr lang="en-US" altLang="ko-KR" dirty="0" err="1">
                 <a:solidFill>
                   <a:srgbClr val="FF0000"/>
                 </a:solidFill>
@@ -10515,7 +10282,7 @@
               <a:t>WiP</a:t>
             </a:r>
             <a:r>
-              <a:rPr lang="en-US" altLang="ko-KR" dirty="0" smtClean="0">
+              <a:rPr lang="en-US" altLang="ko-KR" dirty="0">
                 <a:solidFill>
                   <a:srgbClr val="FF0000"/>
                 </a:solidFill>
@@ -10548,7 +10315,7 @@
           <a:lstStyle/>
           <a:p>
             <a:r>
-              <a:rPr lang="en-US" altLang="ko-KR" dirty="0" err="1" smtClean="0">
+              <a:rPr lang="en-US" altLang="ko-KR" dirty="0" err="1">
                 <a:solidFill>
                   <a:srgbClr val="FF0000"/>
                 </a:solidFill>
@@ -10556,7 +10323,7 @@
               <a:t>WiP</a:t>
             </a:r>
             <a:r>
-              <a:rPr lang="en-US" altLang="ko-KR" dirty="0" smtClean="0">
+              <a:rPr lang="en-US" altLang="ko-KR" dirty="0">
                 <a:solidFill>
                   <a:srgbClr val="FF0000"/>
                 </a:solidFill>
